--- a/segundo parcial enrique/JavaScript/Plantilla.pptx
+++ b/segundo parcial enrique/JavaScript/Plantilla.pptx
@@ -227,10 +227,10 @@
   </p:defaultTextStyle>
   <p:extLst>
     <p:ext uri="{EFAFB233-063F-42B5-8137-9DF3F51BA10A}">
-      <p15:sldGuideLst xmlns:p15="http://schemas.microsoft.com/office/powerpoint/2012/main"/>
+      <p15:sldGuideLst xmlns:p15="http://schemas.microsoft.com/office/powerpoint/2012/main" xmlns=""/>
     </p:ext>
     <p:ext uri="{2D200454-40CA-4A62-9FC3-DE9A4176ACB9}">
-      <p15:notesGuideLst xmlns:p15="http://schemas.microsoft.com/office/powerpoint/2012/main"/>
+      <p15:notesGuideLst xmlns:p15="http://schemas.microsoft.com/office/powerpoint/2012/main" xmlns=""/>
     </p:ext>
   </p:extLst>
 </p:presentation>
@@ -318,7 +318,7 @@
           <a:p>
             <a:fld id="{EDC82A51-097F-4864-A4F6-46FECE056A0F}" type="datetimeFigureOut">
               <a:rPr lang="es-MX" smtClean="0"/>
-              <a:t>05/03/2018</a:t>
+              <a:t>14/06/2018</a:t>
             </a:fld>
             <a:endParaRPr lang="es-MX"/>
           </a:p>
@@ -484,7 +484,7 @@
           <a:p>
             <a:fld id="{E63B3BB3-357B-4FB6-ADE2-74838EC5FF5B}" type="datetimeFigureOut">
               <a:rPr lang="es-MX" smtClean="0"/>
-              <a:t>05/03/2018</a:t>
+              <a:t>14/06/2018</a:t>
             </a:fld>
             <a:endParaRPr lang="es-MX"/>
           </a:p>
@@ -6242,7 +6242,7 @@
           <a:p>
             <a:fld id="{78BB2372-2761-44A5-AED3-734D90A1B253}" type="datetime1">
               <a:rPr lang="es-MX" smtClean="0"/>
-              <a:t>05/03/2018</a:t>
+              <a:t>14/06/2018</a:t>
             </a:fld>
             <a:endParaRPr lang="es-MX"/>
           </a:p>
@@ -6569,7 +6569,7 @@
           <a:p>
             <a:fld id="{B9B91C8B-79E6-4FAB-AAA7-803997839D51}" type="datetime1">
               <a:rPr lang="es-MX" smtClean="0"/>
-              <a:t>05/03/2018</a:t>
+              <a:t>14/06/2018</a:t>
             </a:fld>
             <a:endParaRPr lang="es-MX"/>
           </a:p>
@@ -6958,7 +6958,7 @@
           <a:p>
             <a:fld id="{525A6663-3E4E-4BE2-B7C2-3A277D8C1141}" type="datetime1">
               <a:rPr lang="es-MX" smtClean="0"/>
-              <a:t>05/03/2018</a:t>
+              <a:t>14/06/2018</a:t>
             </a:fld>
             <a:endParaRPr lang="es-MX"/>
           </a:p>
@@ -7482,7 +7482,7 @@
           <a:p>
             <a:fld id="{20C663D8-7129-46BF-8062-AF5F0D6B0C91}" type="datetime1">
               <a:rPr lang="es-MX" smtClean="0"/>
-              <a:t>05/03/2018</a:t>
+              <a:t>14/06/2018</a:t>
             </a:fld>
             <a:endParaRPr lang="es-MX"/>
           </a:p>
@@ -7956,7 +7956,7 @@
           <a:p>
             <a:fld id="{A59B6387-BD91-404A-94B0-4B385FB9C007}" type="datetime1">
               <a:rPr lang="es-MX" smtClean="0"/>
-              <a:t>05/03/2018</a:t>
+              <a:t>14/06/2018</a:t>
             </a:fld>
             <a:endParaRPr lang="es-MX"/>
           </a:p>
@@ -8351,7 +8351,7 @@
           <a:p>
             <a:fld id="{423DBE62-F9C6-4A5A-BC68-93E95FD9505D}" type="datetime1">
               <a:rPr lang="es-MX" smtClean="0"/>
-              <a:t>05/03/2018</a:t>
+              <a:t>14/06/2018</a:t>
             </a:fld>
             <a:endParaRPr lang="es-MX"/>
           </a:p>
@@ -8927,7 +8927,7 @@
           <a:p>
             <a:fld id="{A602A375-89B7-4F9D-A448-9546AA8105B1}" type="datetime1">
               <a:rPr lang="es-MX" smtClean="0"/>
-              <a:t>05/03/2018</a:t>
+              <a:t>14/06/2018</a:t>
             </a:fld>
             <a:endParaRPr lang="es-MX"/>
           </a:p>
@@ -9338,7 +9338,7 @@
           <a:p>
             <a:fld id="{5B8F175C-BFB3-412A-AB80-C4D6AE6272F7}" type="datetime1">
               <a:rPr lang="es-MX" smtClean="0"/>
-              <a:t>05/03/2018</a:t>
+              <a:t>14/06/2018</a:t>
             </a:fld>
             <a:endParaRPr lang="es-MX"/>
           </a:p>
@@ -9588,7 +9588,7 @@
             <a:fld id="{78BB2372-2761-44A5-AED3-734D90A1B253}" type="datetime1">
               <a:rPr lang="es-MX" smtClean="0"/>
               <a:pPr/>
-              <a:t>05/03/2018</a:t>
+              <a:t>14/06/2018</a:t>
             </a:fld>
             <a:endParaRPr lang="es-MX"/>
           </a:p>
@@ -9713,7 +9713,7 @@
           <a:p>
             <a:fld id="{4E6F4C02-A620-45D8-940B-97B1E5288140}" type="datetime1">
               <a:rPr lang="es-MX" smtClean="0"/>
-              <a:t>05/03/2018</a:t>
+              <a:t>14/06/2018</a:t>
             </a:fld>
             <a:endParaRPr lang="es-MX"/>
           </a:p>
@@ -10046,7 +10046,7 @@
           <a:p>
             <a:fld id="{71D4A01E-58B7-4E95-B611-CCD75B026A5D}" type="datetime1">
               <a:rPr lang="es-MX" smtClean="0"/>
-              <a:t>05/03/2018</a:t>
+              <a:t>14/06/2018</a:t>
             </a:fld>
             <a:endParaRPr lang="es-MX"/>
           </a:p>
@@ -10482,7 +10482,7 @@
           <a:p>
             <a:fld id="{2F1087C9-DB44-44FD-9E1D-7A9C2507E50D}" type="datetime1">
               <a:rPr lang="es-MX" smtClean="0"/>
-              <a:t>05/03/2018</a:t>
+              <a:t>14/06/2018</a:t>
             </a:fld>
             <a:endParaRPr lang="es-MX"/>
           </a:p>
@@ -10909,7 +10909,7 @@
           <a:p>
             <a:fld id="{86C499C8-E619-40EE-A327-D03ADBE772E0}" type="datetime1">
               <a:rPr lang="es-MX" smtClean="0"/>
-              <a:t>05/03/2018</a:t>
+              <a:t>14/06/2018</a:t>
             </a:fld>
             <a:endParaRPr lang="es-MX"/>
           </a:p>
@@ -11858,14 +11858,14 @@
                 <a:gridCol w="4175760">
                   <a:extLst>
                     <a:ext uri="{9D8B030D-6E8A-4147-A177-3AD203B41FA5}">
-                      <a16:colId xmlns:a16="http://schemas.microsoft.com/office/drawing/2014/main" val="1596070528"/>
+                      <a16:colId xmlns:a16="http://schemas.microsoft.com/office/drawing/2014/main" xmlns="" val="1596070528"/>
                     </a:ext>
                   </a:extLst>
                 </a:gridCol>
                 <a:gridCol w="4175760">
                   <a:extLst>
                     <a:ext uri="{9D8B030D-6E8A-4147-A177-3AD203B41FA5}">
-                      <a16:colId xmlns:a16="http://schemas.microsoft.com/office/drawing/2014/main" val="2641734424"/>
+                      <a16:colId xmlns:a16="http://schemas.microsoft.com/office/drawing/2014/main" xmlns="" val="2641734424"/>
                     </a:ext>
                   </a:extLst>
                 </a:gridCol>
@@ -11903,7 +11903,7 @@
                 </a:tc>
                 <a:extLst>
                   <a:ext uri="{0D108BD9-81ED-4DB2-BD59-A6C34878D82A}">
-                    <a16:rowId xmlns:a16="http://schemas.microsoft.com/office/drawing/2014/main" val="3965714803"/>
+                    <a16:rowId xmlns:a16="http://schemas.microsoft.com/office/drawing/2014/main" xmlns="" val="3965714803"/>
                   </a:ext>
                 </a:extLst>
               </a:tr>
@@ -11952,7 +11952,7 @@
                 </a:tc>
                 <a:extLst>
                   <a:ext uri="{0D108BD9-81ED-4DB2-BD59-A6C34878D82A}">
-                    <a16:rowId xmlns:a16="http://schemas.microsoft.com/office/drawing/2014/main" val="3608420769"/>
+                    <a16:rowId xmlns:a16="http://schemas.microsoft.com/office/drawing/2014/main" xmlns="" val="3608420769"/>
                   </a:ext>
                 </a:extLst>
               </a:tr>
@@ -12041,7 +12041,7 @@
                 </a:tc>
                 <a:extLst>
                   <a:ext uri="{0D108BD9-81ED-4DB2-BD59-A6C34878D82A}">
-                    <a16:rowId xmlns:a16="http://schemas.microsoft.com/office/drawing/2014/main" val="1604709653"/>
+                    <a16:rowId xmlns:a16="http://schemas.microsoft.com/office/drawing/2014/main" xmlns="" val="1604709653"/>
                   </a:ext>
                 </a:extLst>
               </a:tr>
@@ -12068,7 +12068,7 @@
                 </a:tc>
                 <a:extLst>
                   <a:ext uri="{0D108BD9-81ED-4DB2-BD59-A6C34878D82A}">
-                    <a16:rowId xmlns:a16="http://schemas.microsoft.com/office/drawing/2014/main" val="3862893529"/>
+                    <a16:rowId xmlns:a16="http://schemas.microsoft.com/office/drawing/2014/main" xmlns="" val="3862893529"/>
                   </a:ext>
                 </a:extLst>
               </a:tr>
@@ -13692,7 +13692,7 @@
           <a:lstStyle/>
           <a:p>
             <a:r>
-              <a:rPr lang="es-CO" dirty="0" err="1" smtClean="0"/>
+              <a:rPr lang="es-CO" dirty="0" smtClean="0"/>
               <a:t>Arrays</a:t>
             </a:r>
             <a:endParaRPr lang="es-CO" dirty="0"/>
@@ -16193,14 +16193,14 @@
                 <a:gridCol w="1293791">
                   <a:extLst>
                     <a:ext uri="{9D8B030D-6E8A-4147-A177-3AD203B41FA5}">
-                      <a16:colId xmlns:a16="http://schemas.microsoft.com/office/drawing/2014/main" val="20000"/>
+                      <a16:colId xmlns:a16="http://schemas.microsoft.com/office/drawing/2014/main" xmlns="" val="20000"/>
                     </a:ext>
                   </a:extLst>
                 </a:gridCol>
                 <a:gridCol w="1293791">
                   <a:extLst>
                     <a:ext uri="{9D8B030D-6E8A-4147-A177-3AD203B41FA5}">
-                      <a16:colId xmlns:a16="http://schemas.microsoft.com/office/drawing/2014/main" val="20001"/>
+                      <a16:colId xmlns:a16="http://schemas.microsoft.com/office/drawing/2014/main" xmlns="" val="20001"/>
                     </a:ext>
                   </a:extLst>
                 </a:gridCol>
@@ -16240,7 +16240,7 @@
                 </a:tc>
                 <a:extLst>
                   <a:ext uri="{0D108BD9-81ED-4DB2-BD59-A6C34878D82A}">
-                    <a16:rowId xmlns:a16="http://schemas.microsoft.com/office/drawing/2014/main" val="10000"/>
+                    <a16:rowId xmlns:a16="http://schemas.microsoft.com/office/drawing/2014/main" xmlns="" val="10000"/>
                   </a:ext>
                 </a:extLst>
               </a:tr>
@@ -16277,7 +16277,7 @@
                 </a:tc>
                 <a:extLst>
                   <a:ext uri="{0D108BD9-81ED-4DB2-BD59-A6C34878D82A}">
-                    <a16:rowId xmlns:a16="http://schemas.microsoft.com/office/drawing/2014/main" val="10001"/>
+                    <a16:rowId xmlns:a16="http://schemas.microsoft.com/office/drawing/2014/main" xmlns="" val="10001"/>
                   </a:ext>
                 </a:extLst>
               </a:tr>
@@ -16314,7 +16314,7 @@
                 </a:tc>
                 <a:extLst>
                   <a:ext uri="{0D108BD9-81ED-4DB2-BD59-A6C34878D82A}">
-                    <a16:rowId xmlns:a16="http://schemas.microsoft.com/office/drawing/2014/main" val="10002"/>
+                    <a16:rowId xmlns:a16="http://schemas.microsoft.com/office/drawing/2014/main" xmlns="" val="10002"/>
                   </a:ext>
                 </a:extLst>
               </a:tr>
@@ -16462,21 +16462,21 @@
                 <a:gridCol w="2380575">
                   <a:extLst>
                     <a:ext uri="{9D8B030D-6E8A-4147-A177-3AD203B41FA5}">
-                      <a16:colId xmlns:a16="http://schemas.microsoft.com/office/drawing/2014/main" val="20000"/>
+                      <a16:colId xmlns:a16="http://schemas.microsoft.com/office/drawing/2014/main" xmlns="" val="20000"/>
                     </a:ext>
                   </a:extLst>
                 </a:gridCol>
                 <a:gridCol w="2380575">
                   <a:extLst>
                     <a:ext uri="{9D8B030D-6E8A-4147-A177-3AD203B41FA5}">
-                      <a16:colId xmlns:a16="http://schemas.microsoft.com/office/drawing/2014/main" val="20001"/>
+                      <a16:colId xmlns:a16="http://schemas.microsoft.com/office/drawing/2014/main" xmlns="" val="20001"/>
                     </a:ext>
                   </a:extLst>
                 </a:gridCol>
                 <a:gridCol w="2380575">
                   <a:extLst>
                     <a:ext uri="{9D8B030D-6E8A-4147-A177-3AD203B41FA5}">
-                      <a16:colId xmlns:a16="http://schemas.microsoft.com/office/drawing/2014/main" val="20002"/>
+                      <a16:colId xmlns:a16="http://schemas.microsoft.com/office/drawing/2014/main" xmlns="" val="20002"/>
                     </a:ext>
                   </a:extLst>
                 </a:gridCol>
@@ -16559,7 +16559,7 @@
                 </a:tc>
                 <a:extLst>
                   <a:ext uri="{0D108BD9-81ED-4DB2-BD59-A6C34878D82A}">
-                    <a16:rowId xmlns:a16="http://schemas.microsoft.com/office/drawing/2014/main" val="10000"/>
+                    <a16:rowId xmlns:a16="http://schemas.microsoft.com/office/drawing/2014/main" xmlns="" val="10000"/>
                   </a:ext>
                 </a:extLst>
               </a:tr>
@@ -16641,7 +16641,7 @@
                 </a:tc>
                 <a:extLst>
                   <a:ext uri="{0D108BD9-81ED-4DB2-BD59-A6C34878D82A}">
-                    <a16:rowId xmlns:a16="http://schemas.microsoft.com/office/drawing/2014/main" val="10001"/>
+                    <a16:rowId xmlns:a16="http://schemas.microsoft.com/office/drawing/2014/main" xmlns="" val="10001"/>
                   </a:ext>
                 </a:extLst>
               </a:tr>
@@ -16723,7 +16723,7 @@
                 </a:tc>
                 <a:extLst>
                   <a:ext uri="{0D108BD9-81ED-4DB2-BD59-A6C34878D82A}">
-                    <a16:rowId xmlns:a16="http://schemas.microsoft.com/office/drawing/2014/main" val="10002"/>
+                    <a16:rowId xmlns:a16="http://schemas.microsoft.com/office/drawing/2014/main" xmlns="" val="10002"/>
                   </a:ext>
                 </a:extLst>
               </a:tr>
@@ -16805,7 +16805,7 @@
                 </a:tc>
                 <a:extLst>
                   <a:ext uri="{0D108BD9-81ED-4DB2-BD59-A6C34878D82A}">
-                    <a16:rowId xmlns:a16="http://schemas.microsoft.com/office/drawing/2014/main" val="10003"/>
+                    <a16:rowId xmlns:a16="http://schemas.microsoft.com/office/drawing/2014/main" xmlns="" val="10003"/>
                   </a:ext>
                 </a:extLst>
               </a:tr>
@@ -16887,7 +16887,7 @@
                 </a:tc>
                 <a:extLst>
                   <a:ext uri="{0D108BD9-81ED-4DB2-BD59-A6C34878D82A}">
-                    <a16:rowId xmlns:a16="http://schemas.microsoft.com/office/drawing/2014/main" val="10004"/>
+                    <a16:rowId xmlns:a16="http://schemas.microsoft.com/office/drawing/2014/main" xmlns="" val="10004"/>
                   </a:ext>
                 </a:extLst>
               </a:tr>
@@ -17008,21 +17008,21 @@
                 <a:gridCol w="2401156">
                   <a:extLst>
                     <a:ext uri="{9D8B030D-6E8A-4147-A177-3AD203B41FA5}">
-                      <a16:colId xmlns:a16="http://schemas.microsoft.com/office/drawing/2014/main" val="20000"/>
+                      <a16:colId xmlns:a16="http://schemas.microsoft.com/office/drawing/2014/main" xmlns="" val="20000"/>
                     </a:ext>
                   </a:extLst>
                 </a:gridCol>
                 <a:gridCol w="2401156">
                   <a:extLst>
                     <a:ext uri="{9D8B030D-6E8A-4147-A177-3AD203B41FA5}">
-                      <a16:colId xmlns:a16="http://schemas.microsoft.com/office/drawing/2014/main" val="20001"/>
+                      <a16:colId xmlns:a16="http://schemas.microsoft.com/office/drawing/2014/main" xmlns="" val="20001"/>
                     </a:ext>
                   </a:extLst>
                 </a:gridCol>
                 <a:gridCol w="2401156">
                   <a:extLst>
                     <a:ext uri="{9D8B030D-6E8A-4147-A177-3AD203B41FA5}">
-                      <a16:colId xmlns:a16="http://schemas.microsoft.com/office/drawing/2014/main" val="20002"/>
+                      <a16:colId xmlns:a16="http://schemas.microsoft.com/office/drawing/2014/main" xmlns="" val="20002"/>
                     </a:ext>
                   </a:extLst>
                 </a:gridCol>
@@ -17078,7 +17078,7 @@
                 </a:tc>
                 <a:extLst>
                   <a:ext uri="{0D108BD9-81ED-4DB2-BD59-A6C34878D82A}">
-                    <a16:rowId xmlns:a16="http://schemas.microsoft.com/office/drawing/2014/main" val="10000"/>
+                    <a16:rowId xmlns:a16="http://schemas.microsoft.com/office/drawing/2014/main" xmlns="" val="10000"/>
                   </a:ext>
                 </a:extLst>
               </a:tr>
@@ -17130,7 +17130,7 @@
                 </a:tc>
                 <a:extLst>
                   <a:ext uri="{0D108BD9-81ED-4DB2-BD59-A6C34878D82A}">
-                    <a16:rowId xmlns:a16="http://schemas.microsoft.com/office/drawing/2014/main" val="10001"/>
+                    <a16:rowId xmlns:a16="http://schemas.microsoft.com/office/drawing/2014/main" xmlns="" val="10001"/>
                   </a:ext>
                 </a:extLst>
               </a:tr>
@@ -17182,7 +17182,7 @@
                 </a:tc>
                 <a:extLst>
                   <a:ext uri="{0D108BD9-81ED-4DB2-BD59-A6C34878D82A}">
-                    <a16:rowId xmlns:a16="http://schemas.microsoft.com/office/drawing/2014/main" val="10002"/>
+                    <a16:rowId xmlns:a16="http://schemas.microsoft.com/office/drawing/2014/main" xmlns="" val="10002"/>
                   </a:ext>
                 </a:extLst>
               </a:tr>
@@ -17234,7 +17234,7 @@
                 </a:tc>
                 <a:extLst>
                   <a:ext uri="{0D108BD9-81ED-4DB2-BD59-A6C34878D82A}">
-                    <a16:rowId xmlns:a16="http://schemas.microsoft.com/office/drawing/2014/main" val="10003"/>
+                    <a16:rowId xmlns:a16="http://schemas.microsoft.com/office/drawing/2014/main" xmlns="" val="10003"/>
                   </a:ext>
                 </a:extLst>
               </a:tr>
@@ -17286,7 +17286,7 @@
                 </a:tc>
                 <a:extLst>
                   <a:ext uri="{0D108BD9-81ED-4DB2-BD59-A6C34878D82A}">
-                    <a16:rowId xmlns:a16="http://schemas.microsoft.com/office/drawing/2014/main" val="10004"/>
+                    <a16:rowId xmlns:a16="http://schemas.microsoft.com/office/drawing/2014/main" xmlns="" val="10004"/>
                   </a:ext>
                 </a:extLst>
               </a:tr>
@@ -21172,11 +21172,7 @@
           <a:p>
             <a:r>
               <a:rPr lang="es-CO" dirty="0" smtClean="0"/>
-              <a:t>Funciones para </a:t>
-            </a:r>
-            <a:r>
-              <a:rPr lang="es-CO" dirty="0" err="1" smtClean="0"/>
-              <a:t>Arrays</a:t>
+              <a:t>Funciones para Arrays</a:t>
             </a:r>
             <a:endParaRPr lang="es-CO" dirty="0"/>
           </a:p>
@@ -21215,15 +21211,7 @@
             </a:r>
             <a:r>
               <a:rPr lang="es-CO" dirty="0" smtClean="0"/>
-              <a:t>(), concadena </a:t>
-            </a:r>
-            <a:r>
-              <a:rPr lang="es-CO" dirty="0" err="1" smtClean="0"/>
-              <a:t>arrays</a:t>
-            </a:r>
-            <a:r>
-              <a:rPr lang="es-CO" dirty="0" smtClean="0"/>
-              <a:t>.</a:t>
+              <a:t>(), concadena arrays.</a:t>
             </a:r>
           </a:p>
           <a:p>
@@ -21445,7 +21433,7 @@
               <a:buNone/>
             </a:pPr>
             <a:r>
-              <a:rPr lang="es-CO" sz="4000" dirty="0" err="1" smtClean="0"/>
+              <a:rPr lang="es-CO" sz="4000" dirty="0" smtClean="0"/>
               <a:t>arrays</a:t>
             </a:r>
             <a:endParaRPr lang="es-CO" sz="4000" dirty="0"/>
@@ -21699,7 +21687,11 @@
           <a:p>
             <a:r>
               <a:rPr lang="es-CO" dirty="0" smtClean="0"/>
-              <a:t>Funciones para números</a:t>
+              <a:t>Funciones para </a:t>
+            </a:r>
+            <a:r>
+              <a:rPr lang="es-CO" dirty="0" smtClean="0"/>
+              <a:t>números TAREA</a:t>
             </a:r>
             <a:endParaRPr lang="es-CO" dirty="0"/>
           </a:p>
@@ -24782,21 +24774,21 @@
                 <a:gridCol w="1727200">
                   <a:extLst>
                     <a:ext uri="{9D8B030D-6E8A-4147-A177-3AD203B41FA5}">
-                      <a16:colId xmlns:a16="http://schemas.microsoft.com/office/drawing/2014/main" val="358809226"/>
+                      <a16:colId xmlns:a16="http://schemas.microsoft.com/office/drawing/2014/main" xmlns="" val="358809226"/>
                     </a:ext>
                   </a:extLst>
                 </a:gridCol>
                 <a:gridCol w="3683726">
                   <a:extLst>
                     <a:ext uri="{9D8B030D-6E8A-4147-A177-3AD203B41FA5}">
-                      <a16:colId xmlns:a16="http://schemas.microsoft.com/office/drawing/2014/main" val="297456553"/>
+                      <a16:colId xmlns:a16="http://schemas.microsoft.com/office/drawing/2014/main" xmlns="" val="297456553"/>
                     </a:ext>
                   </a:extLst>
                 </a:gridCol>
                 <a:gridCol w="3555273">
                   <a:extLst>
                     <a:ext uri="{9D8B030D-6E8A-4147-A177-3AD203B41FA5}">
-                      <a16:colId xmlns:a16="http://schemas.microsoft.com/office/drawing/2014/main" val="1164694110"/>
+                      <a16:colId xmlns:a16="http://schemas.microsoft.com/office/drawing/2014/main" xmlns="" val="1164694110"/>
                     </a:ext>
                   </a:extLst>
                 </a:gridCol>
@@ -24966,7 +24958,7 @@
                 </a:tc>
                 <a:extLst>
                   <a:ext uri="{0D108BD9-81ED-4DB2-BD59-A6C34878D82A}">
-                    <a16:rowId xmlns:a16="http://schemas.microsoft.com/office/drawing/2014/main" val="1422047462"/>
+                    <a16:rowId xmlns:a16="http://schemas.microsoft.com/office/drawing/2014/main" xmlns="" val="1422047462"/>
                   </a:ext>
                 </a:extLst>
               </a:tr>
@@ -25134,7 +25126,7 @@
                 </a:tc>
                 <a:extLst>
                   <a:ext uri="{0D108BD9-81ED-4DB2-BD59-A6C34878D82A}">
-                    <a16:rowId xmlns:a16="http://schemas.microsoft.com/office/drawing/2014/main" val="1025029199"/>
+                    <a16:rowId xmlns:a16="http://schemas.microsoft.com/office/drawing/2014/main" xmlns="" val="1025029199"/>
                   </a:ext>
                 </a:extLst>
               </a:tr>
@@ -25302,7 +25294,7 @@
                 </a:tc>
                 <a:extLst>
                   <a:ext uri="{0D108BD9-81ED-4DB2-BD59-A6C34878D82A}">
-                    <a16:rowId xmlns:a16="http://schemas.microsoft.com/office/drawing/2014/main" val="3630539612"/>
+                    <a16:rowId xmlns:a16="http://schemas.microsoft.com/office/drawing/2014/main" xmlns="" val="3630539612"/>
                   </a:ext>
                 </a:extLst>
               </a:tr>
@@ -25470,7 +25462,7 @@
                 </a:tc>
                 <a:extLst>
                   <a:ext uri="{0D108BD9-81ED-4DB2-BD59-A6C34878D82A}">
-                    <a16:rowId xmlns:a16="http://schemas.microsoft.com/office/drawing/2014/main" val="167998149"/>
+                    <a16:rowId xmlns:a16="http://schemas.microsoft.com/office/drawing/2014/main" xmlns="" val="167998149"/>
                   </a:ext>
                 </a:extLst>
               </a:tr>
@@ -25638,7 +25630,7 @@
                 </a:tc>
                 <a:extLst>
                   <a:ext uri="{0D108BD9-81ED-4DB2-BD59-A6C34878D82A}">
-                    <a16:rowId xmlns:a16="http://schemas.microsoft.com/office/drawing/2014/main" val="3409953350"/>
+                    <a16:rowId xmlns:a16="http://schemas.microsoft.com/office/drawing/2014/main" xmlns="" val="3409953350"/>
                   </a:ext>
                 </a:extLst>
               </a:tr>
@@ -25961,21 +25953,21 @@
                 <a:gridCol w="2164924">
                   <a:extLst>
                     <a:ext uri="{9D8B030D-6E8A-4147-A177-3AD203B41FA5}">
-                      <a16:colId xmlns:a16="http://schemas.microsoft.com/office/drawing/2014/main" val="3922543209"/>
+                      <a16:colId xmlns:a16="http://schemas.microsoft.com/office/drawing/2014/main" xmlns="" val="3922543209"/>
                     </a:ext>
                   </a:extLst>
                 </a:gridCol>
                 <a:gridCol w="3216997">
                   <a:extLst>
                     <a:ext uri="{9D8B030D-6E8A-4147-A177-3AD203B41FA5}">
-                      <a16:colId xmlns:a16="http://schemas.microsoft.com/office/drawing/2014/main" val="858933005"/>
+                      <a16:colId xmlns:a16="http://schemas.microsoft.com/office/drawing/2014/main" xmlns="" val="858933005"/>
                     </a:ext>
                   </a:extLst>
                 </a:gridCol>
                 <a:gridCol w="3438409">
                   <a:extLst>
                     <a:ext uri="{9D8B030D-6E8A-4147-A177-3AD203B41FA5}">
-                      <a16:colId xmlns:a16="http://schemas.microsoft.com/office/drawing/2014/main" val="1965635707"/>
+                      <a16:colId xmlns:a16="http://schemas.microsoft.com/office/drawing/2014/main" xmlns="" val="1965635707"/>
                     </a:ext>
                   </a:extLst>
                 </a:gridCol>
@@ -26145,7 +26137,7 @@
                 </a:tc>
                 <a:extLst>
                   <a:ext uri="{0D108BD9-81ED-4DB2-BD59-A6C34878D82A}">
-                    <a16:rowId xmlns:a16="http://schemas.microsoft.com/office/drawing/2014/main" val="1163032766"/>
+                    <a16:rowId xmlns:a16="http://schemas.microsoft.com/office/drawing/2014/main" xmlns="" val="1163032766"/>
                   </a:ext>
                 </a:extLst>
               </a:tr>
@@ -26321,7 +26313,7 @@
                 </a:tc>
                 <a:extLst>
                   <a:ext uri="{0D108BD9-81ED-4DB2-BD59-A6C34878D82A}">
-                    <a16:rowId xmlns:a16="http://schemas.microsoft.com/office/drawing/2014/main" val="51063936"/>
+                    <a16:rowId xmlns:a16="http://schemas.microsoft.com/office/drawing/2014/main" xmlns="" val="51063936"/>
                   </a:ext>
                 </a:extLst>
               </a:tr>
@@ -26489,7 +26481,7 @@
                 </a:tc>
                 <a:extLst>
                   <a:ext uri="{0D108BD9-81ED-4DB2-BD59-A6C34878D82A}">
-                    <a16:rowId xmlns:a16="http://schemas.microsoft.com/office/drawing/2014/main" val="2183499688"/>
+                    <a16:rowId xmlns:a16="http://schemas.microsoft.com/office/drawing/2014/main" xmlns="" val="2183499688"/>
                   </a:ext>
                 </a:extLst>
               </a:tr>
@@ -26657,7 +26649,7 @@
                 </a:tc>
                 <a:extLst>
                   <a:ext uri="{0D108BD9-81ED-4DB2-BD59-A6C34878D82A}">
-                    <a16:rowId xmlns:a16="http://schemas.microsoft.com/office/drawing/2014/main" val="2855653339"/>
+                    <a16:rowId xmlns:a16="http://schemas.microsoft.com/office/drawing/2014/main" xmlns="" val="2855653339"/>
                   </a:ext>
                 </a:extLst>
               </a:tr>
@@ -26833,7 +26825,7 @@
                 </a:tc>
                 <a:extLst>
                   <a:ext uri="{0D108BD9-81ED-4DB2-BD59-A6C34878D82A}">
-                    <a16:rowId xmlns:a16="http://schemas.microsoft.com/office/drawing/2014/main" val="503806477"/>
+                    <a16:rowId xmlns:a16="http://schemas.microsoft.com/office/drawing/2014/main" xmlns="" val="503806477"/>
                   </a:ext>
                 </a:extLst>
               </a:tr>
@@ -27263,21 +27255,21 @@
                 <a:gridCol w="2197463">
                   <a:extLst>
                     <a:ext uri="{9D8B030D-6E8A-4147-A177-3AD203B41FA5}">
-                      <a16:colId xmlns:a16="http://schemas.microsoft.com/office/drawing/2014/main" val="2157772263"/>
+                      <a16:colId xmlns:a16="http://schemas.microsoft.com/office/drawing/2014/main" xmlns="" val="2157772263"/>
                     </a:ext>
                   </a:extLst>
                 </a:gridCol>
                 <a:gridCol w="3604381">
                   <a:extLst>
                     <a:ext uri="{9D8B030D-6E8A-4147-A177-3AD203B41FA5}">
-                      <a16:colId xmlns:a16="http://schemas.microsoft.com/office/drawing/2014/main" val="1267885860"/>
+                      <a16:colId xmlns:a16="http://schemas.microsoft.com/office/drawing/2014/main" xmlns="" val="1267885860"/>
                     </a:ext>
                   </a:extLst>
                 </a:gridCol>
                 <a:gridCol w="2900922">
                   <a:extLst>
                     <a:ext uri="{9D8B030D-6E8A-4147-A177-3AD203B41FA5}">
-                      <a16:colId xmlns:a16="http://schemas.microsoft.com/office/drawing/2014/main" val="1979749074"/>
+                      <a16:colId xmlns:a16="http://schemas.microsoft.com/office/drawing/2014/main" xmlns="" val="1979749074"/>
                     </a:ext>
                   </a:extLst>
                 </a:gridCol>
@@ -27447,7 +27439,7 @@
                 </a:tc>
                 <a:extLst>
                   <a:ext uri="{0D108BD9-81ED-4DB2-BD59-A6C34878D82A}">
-                    <a16:rowId xmlns:a16="http://schemas.microsoft.com/office/drawing/2014/main" val="3316551353"/>
+                    <a16:rowId xmlns:a16="http://schemas.microsoft.com/office/drawing/2014/main" xmlns="" val="3316551353"/>
                   </a:ext>
                 </a:extLst>
               </a:tr>
@@ -27623,7 +27615,7 @@
                 </a:tc>
                 <a:extLst>
                   <a:ext uri="{0D108BD9-81ED-4DB2-BD59-A6C34878D82A}">
-                    <a16:rowId xmlns:a16="http://schemas.microsoft.com/office/drawing/2014/main" val="1633316216"/>
+                    <a16:rowId xmlns:a16="http://schemas.microsoft.com/office/drawing/2014/main" xmlns="" val="1633316216"/>
                   </a:ext>
                 </a:extLst>
               </a:tr>
@@ -27791,7 +27783,7 @@
                 </a:tc>
                 <a:extLst>
                   <a:ext uri="{0D108BD9-81ED-4DB2-BD59-A6C34878D82A}">
-                    <a16:rowId xmlns:a16="http://schemas.microsoft.com/office/drawing/2014/main" val="2689658534"/>
+                    <a16:rowId xmlns:a16="http://schemas.microsoft.com/office/drawing/2014/main" xmlns="" val="2689658534"/>
                   </a:ext>
                 </a:extLst>
               </a:tr>
@@ -27959,7 +27951,7 @@
                 </a:tc>
                 <a:extLst>
                   <a:ext uri="{0D108BD9-81ED-4DB2-BD59-A6C34878D82A}">
-                    <a16:rowId xmlns:a16="http://schemas.microsoft.com/office/drawing/2014/main" val="805584501"/>
+                    <a16:rowId xmlns:a16="http://schemas.microsoft.com/office/drawing/2014/main" xmlns="" val="805584501"/>
                   </a:ext>
                 </a:extLst>
               </a:tr>
@@ -28127,7 +28119,7 @@
                 </a:tc>
                 <a:extLst>
                   <a:ext uri="{0D108BD9-81ED-4DB2-BD59-A6C34878D82A}">
-                    <a16:rowId xmlns:a16="http://schemas.microsoft.com/office/drawing/2014/main" val="450654003"/>
+                    <a16:rowId xmlns:a16="http://schemas.microsoft.com/office/drawing/2014/main" xmlns="" val="450654003"/>
                   </a:ext>
                 </a:extLst>
               </a:tr>
@@ -28295,7 +28287,7 @@
                 </a:tc>
                 <a:extLst>
                   <a:ext uri="{0D108BD9-81ED-4DB2-BD59-A6C34878D82A}">
-                    <a16:rowId xmlns:a16="http://schemas.microsoft.com/office/drawing/2014/main" val="1806206319"/>
+                    <a16:rowId xmlns:a16="http://schemas.microsoft.com/office/drawing/2014/main" xmlns="" val="1806206319"/>
                   </a:ext>
                 </a:extLst>
               </a:tr>
@@ -28463,7 +28455,7 @@
                 </a:tc>
                 <a:extLst>
                   <a:ext uri="{0D108BD9-81ED-4DB2-BD59-A6C34878D82A}">
-                    <a16:rowId xmlns:a16="http://schemas.microsoft.com/office/drawing/2014/main" val="3556397882"/>
+                    <a16:rowId xmlns:a16="http://schemas.microsoft.com/office/drawing/2014/main" xmlns="" val="3556397882"/>
                   </a:ext>
                 </a:extLst>
               </a:tr>
@@ -28559,21 +28551,21 @@
                 <a:gridCol w="2145211">
                   <a:extLst>
                     <a:ext uri="{9D8B030D-6E8A-4147-A177-3AD203B41FA5}">
-                      <a16:colId xmlns:a16="http://schemas.microsoft.com/office/drawing/2014/main" val="2157772263"/>
+                      <a16:colId xmlns:a16="http://schemas.microsoft.com/office/drawing/2014/main" xmlns="" val="2157772263"/>
                     </a:ext>
                   </a:extLst>
                 </a:gridCol>
                 <a:gridCol w="3656633">
                   <a:extLst>
                     <a:ext uri="{9D8B030D-6E8A-4147-A177-3AD203B41FA5}">
-                      <a16:colId xmlns:a16="http://schemas.microsoft.com/office/drawing/2014/main" val="1267885860"/>
+                      <a16:colId xmlns:a16="http://schemas.microsoft.com/office/drawing/2014/main" xmlns="" val="1267885860"/>
                     </a:ext>
                   </a:extLst>
                 </a:gridCol>
                 <a:gridCol w="2900922">
                   <a:extLst>
                     <a:ext uri="{9D8B030D-6E8A-4147-A177-3AD203B41FA5}">
-                      <a16:colId xmlns:a16="http://schemas.microsoft.com/office/drawing/2014/main" val="1979749074"/>
+                      <a16:colId xmlns:a16="http://schemas.microsoft.com/office/drawing/2014/main" xmlns="" val="1979749074"/>
                     </a:ext>
                   </a:extLst>
                 </a:gridCol>
@@ -28743,7 +28735,7 @@
                 </a:tc>
                 <a:extLst>
                   <a:ext uri="{0D108BD9-81ED-4DB2-BD59-A6C34878D82A}">
-                    <a16:rowId xmlns:a16="http://schemas.microsoft.com/office/drawing/2014/main" val="3316551353"/>
+                    <a16:rowId xmlns:a16="http://schemas.microsoft.com/office/drawing/2014/main" xmlns="" val="3316551353"/>
                   </a:ext>
                 </a:extLst>
               </a:tr>
@@ -28919,7 +28911,7 @@
                 </a:tc>
                 <a:extLst>
                   <a:ext uri="{0D108BD9-81ED-4DB2-BD59-A6C34878D82A}">
-                    <a16:rowId xmlns:a16="http://schemas.microsoft.com/office/drawing/2014/main" val="1117863344"/>
+                    <a16:rowId xmlns:a16="http://schemas.microsoft.com/office/drawing/2014/main" xmlns="" val="1117863344"/>
                   </a:ext>
                 </a:extLst>
               </a:tr>
@@ -29087,7 +29079,7 @@
                 </a:tc>
                 <a:extLst>
                   <a:ext uri="{0D108BD9-81ED-4DB2-BD59-A6C34878D82A}">
-                    <a16:rowId xmlns:a16="http://schemas.microsoft.com/office/drawing/2014/main" val="639389263"/>
+                    <a16:rowId xmlns:a16="http://schemas.microsoft.com/office/drawing/2014/main" xmlns="" val="639389263"/>
                   </a:ext>
                 </a:extLst>
               </a:tr>
@@ -29255,7 +29247,7 @@
                 </a:tc>
                 <a:extLst>
                   <a:ext uri="{0D108BD9-81ED-4DB2-BD59-A6C34878D82A}">
-                    <a16:rowId xmlns:a16="http://schemas.microsoft.com/office/drawing/2014/main" val="1805114380"/>
+                    <a16:rowId xmlns:a16="http://schemas.microsoft.com/office/drawing/2014/main" xmlns="" val="1805114380"/>
                   </a:ext>
                 </a:extLst>
               </a:tr>
@@ -29423,7 +29415,7 @@
                 </a:tc>
                 <a:extLst>
                   <a:ext uri="{0D108BD9-81ED-4DB2-BD59-A6C34878D82A}">
-                    <a16:rowId xmlns:a16="http://schemas.microsoft.com/office/drawing/2014/main" val="4186705132"/>
+                    <a16:rowId xmlns:a16="http://schemas.microsoft.com/office/drawing/2014/main" xmlns="" val="4186705132"/>
                   </a:ext>
                 </a:extLst>
               </a:tr>
@@ -29599,7 +29591,7 @@
                 </a:tc>
                 <a:extLst>
                   <a:ext uri="{0D108BD9-81ED-4DB2-BD59-A6C34878D82A}">
-                    <a16:rowId xmlns:a16="http://schemas.microsoft.com/office/drawing/2014/main" val="1480033773"/>
+                    <a16:rowId xmlns:a16="http://schemas.microsoft.com/office/drawing/2014/main" xmlns="" val="1480033773"/>
                   </a:ext>
                 </a:extLst>
               </a:tr>
@@ -44107,7 +44099,7 @@
   <a:extraClrSchemeLst/>
   <a:extLst>
     <a:ext uri="{05A4C25C-085E-4340-85A3-A5531E510DB2}">
-      <thm15:themeFamily xmlns:thm15="http://schemas.microsoft.com/office/thememl/2012/main" name="Office Theme" id="{62F939B6-93AF-4DB8-9C6B-D6C7DFDC589F}" vid="{4A3C46E8-61CC-4603-A589-7422A47A8E4A}"/>
+      <thm15:themeFamily xmlns:thm15="http://schemas.microsoft.com/office/thememl/2012/main" xmlns="" name="Office Theme" id="{62F939B6-93AF-4DB8-9C6B-D6C7DFDC589F}" vid="{4A3C46E8-61CC-4603-A589-7422A47A8E4A}"/>
     </a:ext>
   </a:extLst>
 </a:theme>
@@ -44368,7 +44360,7 @@
   <a:extraClrSchemeLst/>
   <a:extLst>
     <a:ext uri="{05A4C25C-085E-4340-85A3-A5531E510DB2}">
-      <thm15:themeFamily xmlns:thm15="http://schemas.microsoft.com/office/thememl/2012/main" name="Office Theme" id="{62F939B6-93AF-4DB8-9C6B-D6C7DFDC589F}" vid="{4A3C46E8-61CC-4603-A589-7422A47A8E4A}"/>
+      <thm15:themeFamily xmlns:thm15="http://schemas.microsoft.com/office/thememl/2012/main" xmlns="" name="Office Theme" id="{62F939B6-93AF-4DB8-9C6B-D6C7DFDC589F}" vid="{4A3C46E8-61CC-4603-A589-7422A47A8E4A}"/>
     </a:ext>
   </a:extLst>
 </a:theme>
@@ -44629,7 +44621,7 @@
   <a:extraClrSchemeLst/>
   <a:extLst>
     <a:ext uri="{05A4C25C-085E-4340-85A3-A5531E510DB2}">
-      <thm15:themeFamily xmlns:thm15="http://schemas.microsoft.com/office/thememl/2012/main" name="Office Theme" id="{62F939B6-93AF-4DB8-9C6B-D6C7DFDC589F}" vid="{4A3C46E8-61CC-4603-A589-7422A47A8E4A}"/>
+      <thm15:themeFamily xmlns:thm15="http://schemas.microsoft.com/office/thememl/2012/main" xmlns="" name="Office Theme" id="{62F939B6-93AF-4DB8-9C6B-D6C7DFDC589F}" vid="{4A3C46E8-61CC-4603-A589-7422A47A8E4A}"/>
     </a:ext>
   </a:extLst>
 </a:theme>
